--- a/(U) National Guard Cyber Support (External Brief).pptx
+++ b/(U) National Guard Cyber Support (External Brief).pptx
@@ -222,7 +222,7 @@
           <a:p>
             <a:fld id="{D60BE5B0-FFD6-4BA4-A76C-83FAE5A26235}" type="datetimeFigureOut">
               <a:rPr lang="en-US" smtClean="0"/>
-              <a:t>9/19/2018</a:t>
+              <a:t>9/21/2018</a:t>
             </a:fld>
             <a:endParaRPr lang="en-US" dirty="0"/>
           </a:p>
@@ -387,7 +387,7 @@
           <a:p>
             <a:fld id="{9DEA059C-979C-4A75-8A8D-628EF9B243E6}" type="datetimeFigureOut">
               <a:rPr lang="en-US" smtClean="0"/>
-              <a:t>9/19/2018</a:t>
+              <a:t>9/21/2018</a:t>
             </a:fld>
             <a:endParaRPr lang="en-US" dirty="0"/>
           </a:p>
@@ -1692,7 +1692,7 @@
           <a:p>
             <a:fld id="{27DA7D54-0249-4C58-AB4F-952E065A1A53}" type="datetimeFigureOut">
               <a:rPr lang="en-US" smtClean="0"/>
-              <a:t>9/19/2018</a:t>
+              <a:t>9/21/2018</a:t>
             </a:fld>
             <a:endParaRPr lang="en-US" dirty="0"/>
           </a:p>
@@ -1913,7 +1913,7 @@
           <a:p>
             <a:fld id="{27DA7D54-0249-4C58-AB4F-952E065A1A53}" type="datetimeFigureOut">
               <a:rPr lang="en-US" smtClean="0"/>
-              <a:t>9/19/2018</a:t>
+              <a:t>9/21/2018</a:t>
             </a:fld>
             <a:endParaRPr lang="en-US" dirty="0"/>
           </a:p>
@@ -2127,7 +2127,7 @@
           <a:p>
             <a:fld id="{27DA7D54-0249-4C58-AB4F-952E065A1A53}" type="datetimeFigureOut">
               <a:rPr lang="en-US" smtClean="0"/>
-              <a:t>9/19/2018</a:t>
+              <a:t>9/21/2018</a:t>
             </a:fld>
             <a:endParaRPr lang="en-US" dirty="0"/>
           </a:p>
@@ -2511,7 +2511,7 @@
           <a:p>
             <a:fld id="{27DA7D54-0249-4C58-AB4F-952E065A1A53}" type="datetimeFigureOut">
               <a:rPr lang="en-US" smtClean="0"/>
-              <a:t>9/19/2018</a:t>
+              <a:t>9/21/2018</a:t>
             </a:fld>
             <a:endParaRPr lang="en-US" dirty="0"/>
           </a:p>
@@ -2791,7 +2791,7 @@
           <a:p>
             <a:fld id="{27DA7D54-0249-4C58-AB4F-952E065A1A53}" type="datetimeFigureOut">
               <a:rPr lang="en-US" smtClean="0"/>
-              <a:t>9/19/2018</a:t>
+              <a:t>9/21/2018</a:t>
             </a:fld>
             <a:endParaRPr lang="en-US" dirty="0"/>
           </a:p>
@@ -3092,7 +3092,7 @@
           <a:p>
             <a:fld id="{27DA7D54-0249-4C58-AB4F-952E065A1A53}" type="datetimeFigureOut">
               <a:rPr lang="en-US" smtClean="0"/>
-              <a:t>9/19/2018</a:t>
+              <a:t>9/21/2018</a:t>
             </a:fld>
             <a:endParaRPr lang="en-US" dirty="0"/>
           </a:p>
@@ -3577,7 +3577,7 @@
           <a:p>
             <a:fld id="{27DA7D54-0249-4C58-AB4F-952E065A1A53}" type="datetimeFigureOut">
               <a:rPr lang="en-US" smtClean="0"/>
-              <a:t>9/19/2018</a:t>
+              <a:t>9/21/2018</a:t>
             </a:fld>
             <a:endParaRPr lang="en-US" dirty="0"/>
           </a:p>
@@ -3733,7 +3733,7 @@
           <a:p>
             <a:fld id="{27DA7D54-0249-4C58-AB4F-952E065A1A53}" type="datetimeFigureOut">
               <a:rPr lang="en-US" smtClean="0"/>
-              <a:t>9/19/2018</a:t>
+              <a:t>9/21/2018</a:t>
             </a:fld>
             <a:endParaRPr lang="en-US" dirty="0"/>
           </a:p>
@@ -3889,7 +3889,7 @@
           <a:p>
             <a:fld id="{27DA7D54-0249-4C58-AB4F-952E065A1A53}" type="datetimeFigureOut">
               <a:rPr lang="en-US" smtClean="0"/>
-              <a:t>9/19/2018</a:t>
+              <a:t>9/21/2018</a:t>
             </a:fld>
             <a:endParaRPr lang="en-US" dirty="0"/>
           </a:p>
@@ -4218,7 +4218,7 @@
           <a:p>
             <a:fld id="{27DA7D54-0249-4C58-AB4F-952E065A1A53}" type="datetimeFigureOut">
               <a:rPr lang="en-US" smtClean="0"/>
-              <a:t>9/19/2018</a:t>
+              <a:t>9/21/2018</a:t>
             </a:fld>
             <a:endParaRPr lang="en-US" dirty="0"/>
           </a:p>
@@ -4509,7 +4509,7 @@
           <a:p>
             <a:fld id="{27DA7D54-0249-4C58-AB4F-952E065A1A53}" type="datetimeFigureOut">
               <a:rPr lang="en-US" smtClean="0"/>
-              <a:t>9/19/2018</a:t>
+              <a:t>9/21/2018</a:t>
             </a:fld>
             <a:endParaRPr lang="en-US" dirty="0"/>
           </a:p>
@@ -4755,7 +4755,7 @@
             <a:fld id="{203E31E2-18C2-47D6-8720-0A5943F5E470}" type="datetimeFigureOut">
               <a:rPr lang="en-US" smtClean="0"/>
               <a:pPr/>
-              <a:t>9/19/2018</a:t>
+              <a:t>9/21/2018</a:t>
             </a:fld>
             <a:endParaRPr lang="en-US" dirty="0"/>
           </a:p>
@@ -6228,11 +6228,7 @@
             </a:pPr>
             <a:r>
               <a:rPr lang="en-US" sz="1400" dirty="0" smtClean="0"/>
-              <a:t>Community College </a:t>
-            </a:r>
-            <a:r>
-              <a:rPr lang="en-US" sz="1400" dirty="0"/>
-              <a:t>Cyber Summit (3CS)</a:t>
+              <a:t>Oregon Emergency Operations Plan, Incident Annex 10 – Cyber Security</a:t>
             </a:r>
             <a:r>
               <a:rPr lang="en-US" sz="1200" dirty="0"/>
@@ -6245,13 +6241,7 @@
               <a:rPr lang="en-US" sz="1200" dirty="0">
                 <a:hlinkClick r:id="rId2"/>
               </a:rPr>
-              <a:t>https://</a:t>
-            </a:r>
-            <a:r>
-              <a:rPr lang="en-US" sz="1200" dirty="0" smtClean="0">
-                <a:hlinkClick r:id="rId2"/>
-              </a:rPr>
-              <a:t>www.my3cs.org</a:t>
+              <a:t>https://www.oregon.gov/oem/Documents/2015_OR_eop_ia_10_cyber.pdf</a:t>
             </a:r>
             <a:endParaRPr lang="en-US" sz="1200" dirty="0" smtClean="0"/>
           </a:p>
@@ -7100,7 +7090,15 @@
           <a:p>
             <a:r>
               <a:rPr lang="en-US" sz="1800" dirty="0" smtClean="0"/>
-              <a:t>DCOE Team deploys to assist organizations as “third party” SME’s in cooperation with DAS-ESO, ensuring the following:</a:t>
+              <a:t>DCOE Team deploys to assist organizations as “third party” SME’s in cooperation with </a:t>
+            </a:r>
+            <a:r>
+              <a:rPr lang="en-US" sz="1800" dirty="0" smtClean="0"/>
+              <a:t>ESO</a:t>
+            </a:r>
+            <a:r>
+              <a:rPr lang="en-US" sz="1800" dirty="0" smtClean="0"/>
+              <a:t>, ensuring the following:</a:t>
             </a:r>
           </a:p>
           <a:p>
@@ -7907,7 +7905,15 @@
             </a:r>
             <a:r>
               <a:rPr lang="en-US" dirty="0" smtClean="0"/>
-              <a:t>, and broker cyber threat intelligence reports to/from the Customer, OTFC, ORNG JOC, DAS-ESO SOC, JRIC, NGCC, DHS NCCIC, NSA NTOC, and others</a:t>
+              <a:t>, and broker cyber threat intelligence reports to/from the Customer, OTFC, ORNG JOC, </a:t>
+            </a:r>
+            <a:r>
+              <a:rPr lang="en-US" dirty="0" smtClean="0"/>
+              <a:t>ESO </a:t>
+            </a:r>
+            <a:r>
+              <a:rPr lang="en-US" dirty="0" smtClean="0"/>
+              <a:t>SOC, JRIC, NGCC, DHS NCCIC, NSA NTOC, and others</a:t>
             </a:r>
             <a:endParaRPr lang="en-US" dirty="0"/>
           </a:p>
@@ -9677,12 +9683,12 @@
           <a:graphicData uri="http://schemas.openxmlformats.org/presentationml/2006/ole">
             <mc:AlternateContent xmlns:mc="http://schemas.openxmlformats.org/markup-compatibility/2006">
               <mc:Choice xmlns:v="urn:schemas-microsoft-com:vml" Requires="v">
-                <p:oleObj spid="_x0000_s1127" name="Document" r:id="rId4" imgW="8930835" imgH="3083933" progId="Word.Document.8">
+                <p:oleObj spid="_x0000_s1130" name="Document" r:id="rId5" imgW="8930835" imgH="3083933" progId="Word.Document.8">
                   <p:embed/>
                 </p:oleObj>
               </mc:Choice>
               <mc:Fallback>
-                <p:oleObj name="Document" r:id="rId4" imgW="8930835" imgH="3083933" progId="Word.Document.8">
+                <p:oleObj name="Document" r:id="rId5" imgW="8930835" imgH="3083933" progId="Word.Document.8">
                   <p:embed/>
                   <p:pic>
                     <p:nvPicPr>
@@ -9693,7 +9699,7 @@
                       <p:nvPr/>
                     </p:nvPicPr>
                     <p:blipFill>
-                      <a:blip r:embed="rId5"/>
+                      <a:blip r:embed="rId6"/>
                       <a:srcRect/>
                       <a:stretch>
                         <a:fillRect/>
